--- a/FLUXO.pptx
+++ b/FLUXO.pptx
@@ -108,6 +108,11 @@
       </a:defRPr>
     </a:lvl9pPr>
   </p:defaultTextStyle>
+  <p:extLst>
+    <p:ext uri="{EFAFB233-063F-42B5-8137-9DF3F51BA10A}">
+      <p15:sldGuideLst xmlns:p15="http://schemas.microsoft.com/office/powerpoint/2012/main"/>
+    </p:ext>
+  </p:extLst>
 </p:presentation>
 </file>
 
@@ -258,7 +263,7 @@
           <a:p>
             <a:fld id="{CD362B38-24C6-4F4F-935A-6D05ED13AA2C}" type="datetimeFigureOut">
               <a:rPr lang="pt-BR" smtClean="0"/>
-              <a:t>07/04/2022</a:t>
+              <a:t>08/04/2022</a:t>
             </a:fld>
             <a:endParaRPr lang="pt-BR"/>
           </a:p>
@@ -456,7 +461,7 @@
           <a:p>
             <a:fld id="{CD362B38-24C6-4F4F-935A-6D05ED13AA2C}" type="datetimeFigureOut">
               <a:rPr lang="pt-BR" smtClean="0"/>
-              <a:t>07/04/2022</a:t>
+              <a:t>08/04/2022</a:t>
             </a:fld>
             <a:endParaRPr lang="pt-BR"/>
           </a:p>
@@ -664,7 +669,7 @@
           <a:p>
             <a:fld id="{CD362B38-24C6-4F4F-935A-6D05ED13AA2C}" type="datetimeFigureOut">
               <a:rPr lang="pt-BR" smtClean="0"/>
-              <a:t>07/04/2022</a:t>
+              <a:t>08/04/2022</a:t>
             </a:fld>
             <a:endParaRPr lang="pt-BR"/>
           </a:p>
@@ -862,7 +867,7 @@
           <a:p>
             <a:fld id="{CD362B38-24C6-4F4F-935A-6D05ED13AA2C}" type="datetimeFigureOut">
               <a:rPr lang="pt-BR" smtClean="0"/>
-              <a:t>07/04/2022</a:t>
+              <a:t>08/04/2022</a:t>
             </a:fld>
             <a:endParaRPr lang="pt-BR"/>
           </a:p>
@@ -1137,7 +1142,7 @@
           <a:p>
             <a:fld id="{CD362B38-24C6-4F4F-935A-6D05ED13AA2C}" type="datetimeFigureOut">
               <a:rPr lang="pt-BR" smtClean="0"/>
-              <a:t>07/04/2022</a:t>
+              <a:t>08/04/2022</a:t>
             </a:fld>
             <a:endParaRPr lang="pt-BR"/>
           </a:p>
@@ -1402,7 +1407,7 @@
           <a:p>
             <a:fld id="{CD362B38-24C6-4F4F-935A-6D05ED13AA2C}" type="datetimeFigureOut">
               <a:rPr lang="pt-BR" smtClean="0"/>
-              <a:t>07/04/2022</a:t>
+              <a:t>08/04/2022</a:t>
             </a:fld>
             <a:endParaRPr lang="pt-BR"/>
           </a:p>
@@ -1814,7 +1819,7 @@
           <a:p>
             <a:fld id="{CD362B38-24C6-4F4F-935A-6D05ED13AA2C}" type="datetimeFigureOut">
               <a:rPr lang="pt-BR" smtClean="0"/>
-              <a:t>07/04/2022</a:t>
+              <a:t>08/04/2022</a:t>
             </a:fld>
             <a:endParaRPr lang="pt-BR"/>
           </a:p>
@@ -1955,7 +1960,7 @@
           <a:p>
             <a:fld id="{CD362B38-24C6-4F4F-935A-6D05ED13AA2C}" type="datetimeFigureOut">
               <a:rPr lang="pt-BR" smtClean="0"/>
-              <a:t>07/04/2022</a:t>
+              <a:t>08/04/2022</a:t>
             </a:fld>
             <a:endParaRPr lang="pt-BR"/>
           </a:p>
@@ -2068,7 +2073,7 @@
           <a:p>
             <a:fld id="{CD362B38-24C6-4F4F-935A-6D05ED13AA2C}" type="datetimeFigureOut">
               <a:rPr lang="pt-BR" smtClean="0"/>
-              <a:t>07/04/2022</a:t>
+              <a:t>08/04/2022</a:t>
             </a:fld>
             <a:endParaRPr lang="pt-BR"/>
           </a:p>
@@ -2379,7 +2384,7 @@
           <a:p>
             <a:fld id="{CD362B38-24C6-4F4F-935A-6D05ED13AA2C}" type="datetimeFigureOut">
               <a:rPr lang="pt-BR" smtClean="0"/>
-              <a:t>07/04/2022</a:t>
+              <a:t>08/04/2022</a:t>
             </a:fld>
             <a:endParaRPr lang="pt-BR"/>
           </a:p>
@@ -2667,7 +2672,7 @@
           <a:p>
             <a:fld id="{CD362B38-24C6-4F4F-935A-6D05ED13AA2C}" type="datetimeFigureOut">
               <a:rPr lang="pt-BR" smtClean="0"/>
-              <a:t>07/04/2022</a:t>
+              <a:t>08/04/2022</a:t>
             </a:fld>
             <a:endParaRPr lang="pt-BR"/>
           </a:p>
@@ -2908,7 +2913,7 @@
           <a:p>
             <a:fld id="{CD362B38-24C6-4F4F-935A-6D05ED13AA2C}" type="datetimeFigureOut">
               <a:rPr lang="pt-BR" smtClean="0"/>
-              <a:t>07/04/2022</a:t>
+              <a:t>08/04/2022</a:t>
             </a:fld>
             <a:endParaRPr lang="pt-BR"/>
           </a:p>
@@ -3408,6 +3413,159 @@
           </a:p>
         </p:txBody>
       </p:sp>
+      <p:sp>
+        <p:nvSpPr>
+          <p:cNvPr id="2" name="Elipse 1">
+            <a:extLst>
+              <a:ext uri="{FF2B5EF4-FFF2-40B4-BE49-F238E27FC236}">
+                <a16:creationId xmlns:a16="http://schemas.microsoft.com/office/drawing/2014/main" id="{C80BE9E7-F87F-449E-B23F-DC0FC18BAE38}"/>
+              </a:ext>
+            </a:extLst>
+          </p:cNvPr>
+          <p:cNvSpPr/>
+          <p:nvPr/>
+        </p:nvSpPr>
+        <p:spPr>
+          <a:xfrm>
+            <a:off x="539931" y="661851"/>
+            <a:ext cx="3526972" cy="1872343"/>
+          </a:xfrm>
+          <a:prstGeom prst="ellipse">
+            <a:avLst/>
+          </a:prstGeom>
+          <a:solidFill>
+            <a:srgbClr val="FF0000">
+              <a:alpha val="10196"/>
+            </a:srgbClr>
+          </a:solidFill>
+        </p:spPr>
+        <p:style>
+          <a:lnRef idx="2">
+            <a:schemeClr val="accent1">
+              <a:shade val="50000"/>
+            </a:schemeClr>
+          </a:lnRef>
+          <a:fillRef idx="1">
+            <a:schemeClr val="accent1"/>
+          </a:fillRef>
+          <a:effectRef idx="0">
+            <a:schemeClr val="accent1"/>
+          </a:effectRef>
+          <a:fontRef idx="minor">
+            <a:schemeClr val="lt1"/>
+          </a:fontRef>
+        </p:style>
+        <p:txBody>
+          <a:bodyPr rtlCol="0" anchor="ctr"/>
+          <a:lstStyle/>
+          <a:p>
+            <a:pPr algn="ctr"/>
+            <a:endParaRPr lang="pt-BR"/>
+          </a:p>
+        </p:txBody>
+      </p:sp>
+      <p:sp>
+        <p:nvSpPr>
+          <p:cNvPr id="5" name="Elipse 4">
+            <a:extLst>
+              <a:ext uri="{FF2B5EF4-FFF2-40B4-BE49-F238E27FC236}">
+                <a16:creationId xmlns:a16="http://schemas.microsoft.com/office/drawing/2014/main" id="{635EE462-B48F-4877-A0FD-439B36FA81FF}"/>
+              </a:ext>
+            </a:extLst>
+          </p:cNvPr>
+          <p:cNvSpPr/>
+          <p:nvPr/>
+        </p:nvSpPr>
+        <p:spPr>
+          <a:xfrm>
+            <a:off x="657496" y="3513908"/>
+            <a:ext cx="3526972" cy="1872343"/>
+          </a:xfrm>
+          <a:prstGeom prst="ellipse">
+            <a:avLst/>
+          </a:prstGeom>
+          <a:solidFill>
+            <a:srgbClr val="FF0000">
+              <a:alpha val="10196"/>
+            </a:srgbClr>
+          </a:solidFill>
+        </p:spPr>
+        <p:style>
+          <a:lnRef idx="2">
+            <a:schemeClr val="accent1">
+              <a:shade val="50000"/>
+            </a:schemeClr>
+          </a:lnRef>
+          <a:fillRef idx="1">
+            <a:schemeClr val="accent1"/>
+          </a:fillRef>
+          <a:effectRef idx="0">
+            <a:schemeClr val="accent1"/>
+          </a:effectRef>
+          <a:fontRef idx="minor">
+            <a:schemeClr val="lt1"/>
+          </a:fontRef>
+        </p:style>
+        <p:txBody>
+          <a:bodyPr rtlCol="0" anchor="ctr"/>
+          <a:lstStyle/>
+          <a:p>
+            <a:pPr algn="ctr"/>
+            <a:endParaRPr lang="pt-BR"/>
+          </a:p>
+        </p:txBody>
+      </p:sp>
+      <p:sp>
+        <p:nvSpPr>
+          <p:cNvPr id="6" name="Elipse 5">
+            <a:extLst>
+              <a:ext uri="{FF2B5EF4-FFF2-40B4-BE49-F238E27FC236}">
+                <a16:creationId xmlns:a16="http://schemas.microsoft.com/office/drawing/2014/main" id="{0EFAF071-150F-4510-A042-4D7633DC18EE}"/>
+              </a:ext>
+            </a:extLst>
+          </p:cNvPr>
+          <p:cNvSpPr/>
+          <p:nvPr/>
+        </p:nvSpPr>
+        <p:spPr>
+          <a:xfrm>
+            <a:off x="8665028" y="4241074"/>
+            <a:ext cx="3526972" cy="1872343"/>
+          </a:xfrm>
+          <a:prstGeom prst="ellipse">
+            <a:avLst/>
+          </a:prstGeom>
+          <a:solidFill>
+            <a:srgbClr val="FF0000">
+              <a:alpha val="10196"/>
+            </a:srgbClr>
+          </a:solidFill>
+        </p:spPr>
+        <p:style>
+          <a:lnRef idx="2">
+            <a:schemeClr val="accent1">
+              <a:shade val="50000"/>
+            </a:schemeClr>
+          </a:lnRef>
+          <a:fillRef idx="1">
+            <a:schemeClr val="accent1"/>
+          </a:fillRef>
+          <a:effectRef idx="0">
+            <a:schemeClr val="accent1"/>
+          </a:effectRef>
+          <a:fontRef idx="minor">
+            <a:schemeClr val="lt1"/>
+          </a:fontRef>
+        </p:style>
+        <p:txBody>
+          <a:bodyPr rtlCol="0" anchor="ctr"/>
+          <a:lstStyle/>
+          <a:p>
+            <a:pPr algn="ctr"/>
+            <a:endParaRPr lang="pt-BR"/>
+          </a:p>
+        </p:txBody>
+      </p:sp>
     </p:spTree>
     <p:extLst>
       <p:ext uri="{BB962C8B-B14F-4D97-AF65-F5344CB8AC3E}">

--- a/FLUXO.pptx
+++ b/FLUXO.pptx
@@ -263,7 +263,7 @@
           <a:p>
             <a:fld id="{CD362B38-24C6-4F4F-935A-6D05ED13AA2C}" type="datetimeFigureOut">
               <a:rPr lang="pt-BR" smtClean="0"/>
-              <a:t>08/04/2022</a:t>
+              <a:t>09/04/2022</a:t>
             </a:fld>
             <a:endParaRPr lang="pt-BR"/>
           </a:p>
@@ -461,7 +461,7 @@
           <a:p>
             <a:fld id="{CD362B38-24C6-4F4F-935A-6D05ED13AA2C}" type="datetimeFigureOut">
               <a:rPr lang="pt-BR" smtClean="0"/>
-              <a:t>08/04/2022</a:t>
+              <a:t>09/04/2022</a:t>
             </a:fld>
             <a:endParaRPr lang="pt-BR"/>
           </a:p>
@@ -669,7 +669,7 @@
           <a:p>
             <a:fld id="{CD362B38-24C6-4F4F-935A-6D05ED13AA2C}" type="datetimeFigureOut">
               <a:rPr lang="pt-BR" smtClean="0"/>
-              <a:t>08/04/2022</a:t>
+              <a:t>09/04/2022</a:t>
             </a:fld>
             <a:endParaRPr lang="pt-BR"/>
           </a:p>
@@ -867,7 +867,7 @@
           <a:p>
             <a:fld id="{CD362B38-24C6-4F4F-935A-6D05ED13AA2C}" type="datetimeFigureOut">
               <a:rPr lang="pt-BR" smtClean="0"/>
-              <a:t>08/04/2022</a:t>
+              <a:t>09/04/2022</a:t>
             </a:fld>
             <a:endParaRPr lang="pt-BR"/>
           </a:p>
@@ -1142,7 +1142,7 @@
           <a:p>
             <a:fld id="{CD362B38-24C6-4F4F-935A-6D05ED13AA2C}" type="datetimeFigureOut">
               <a:rPr lang="pt-BR" smtClean="0"/>
-              <a:t>08/04/2022</a:t>
+              <a:t>09/04/2022</a:t>
             </a:fld>
             <a:endParaRPr lang="pt-BR"/>
           </a:p>
@@ -1407,7 +1407,7 @@
           <a:p>
             <a:fld id="{CD362B38-24C6-4F4F-935A-6D05ED13AA2C}" type="datetimeFigureOut">
               <a:rPr lang="pt-BR" smtClean="0"/>
-              <a:t>08/04/2022</a:t>
+              <a:t>09/04/2022</a:t>
             </a:fld>
             <a:endParaRPr lang="pt-BR"/>
           </a:p>
@@ -1819,7 +1819,7 @@
           <a:p>
             <a:fld id="{CD362B38-24C6-4F4F-935A-6D05ED13AA2C}" type="datetimeFigureOut">
               <a:rPr lang="pt-BR" smtClean="0"/>
-              <a:t>08/04/2022</a:t>
+              <a:t>09/04/2022</a:t>
             </a:fld>
             <a:endParaRPr lang="pt-BR"/>
           </a:p>
@@ -1960,7 +1960,7 @@
           <a:p>
             <a:fld id="{CD362B38-24C6-4F4F-935A-6D05ED13AA2C}" type="datetimeFigureOut">
               <a:rPr lang="pt-BR" smtClean="0"/>
-              <a:t>08/04/2022</a:t>
+              <a:t>09/04/2022</a:t>
             </a:fld>
             <a:endParaRPr lang="pt-BR"/>
           </a:p>
@@ -2073,7 +2073,7 @@
           <a:p>
             <a:fld id="{CD362B38-24C6-4F4F-935A-6D05ED13AA2C}" type="datetimeFigureOut">
               <a:rPr lang="pt-BR" smtClean="0"/>
-              <a:t>08/04/2022</a:t>
+              <a:t>09/04/2022</a:t>
             </a:fld>
             <a:endParaRPr lang="pt-BR"/>
           </a:p>
@@ -2384,7 +2384,7 @@
           <a:p>
             <a:fld id="{CD362B38-24C6-4F4F-935A-6D05ED13AA2C}" type="datetimeFigureOut">
               <a:rPr lang="pt-BR" smtClean="0"/>
-              <a:t>08/04/2022</a:t>
+              <a:t>09/04/2022</a:t>
             </a:fld>
             <a:endParaRPr lang="pt-BR"/>
           </a:p>
@@ -2672,7 +2672,7 @@
           <a:p>
             <a:fld id="{CD362B38-24C6-4F4F-935A-6D05ED13AA2C}" type="datetimeFigureOut">
               <a:rPr lang="pt-BR" smtClean="0"/>
-              <a:t>08/04/2022</a:t>
+              <a:t>09/04/2022</a:t>
             </a:fld>
             <a:endParaRPr lang="pt-BR"/>
           </a:p>
@@ -2913,7 +2913,7 @@
           <a:p>
             <a:fld id="{CD362B38-24C6-4F4F-935A-6D05ED13AA2C}" type="datetimeFigureOut">
               <a:rPr lang="pt-BR" smtClean="0"/>
-              <a:t>08/04/2022</a:t>
+              <a:t>09/04/2022</a:t>
             </a:fld>
             <a:endParaRPr lang="pt-BR"/>
           </a:p>
@@ -3566,6 +3566,213 @@
           </a:p>
         </p:txBody>
       </p:sp>
+      <p:sp>
+        <p:nvSpPr>
+          <p:cNvPr id="7" name="Elipse 6">
+            <a:extLst>
+              <a:ext uri="{FF2B5EF4-FFF2-40B4-BE49-F238E27FC236}">
+                <a16:creationId xmlns:a16="http://schemas.microsoft.com/office/drawing/2014/main" id="{068A208F-3A10-40E9-BD77-13D07936B28A}"/>
+              </a:ext>
+            </a:extLst>
+          </p:cNvPr>
+          <p:cNvSpPr/>
+          <p:nvPr/>
+        </p:nvSpPr>
+        <p:spPr>
+          <a:xfrm>
+            <a:off x="8773885" y="1014547"/>
+            <a:ext cx="3526972" cy="1872343"/>
+          </a:xfrm>
+          <a:prstGeom prst="ellipse">
+            <a:avLst/>
+          </a:prstGeom>
+          <a:solidFill>
+            <a:srgbClr val="FF0000">
+              <a:alpha val="10196"/>
+            </a:srgbClr>
+          </a:solidFill>
+        </p:spPr>
+        <p:style>
+          <a:lnRef idx="2">
+            <a:schemeClr val="accent1">
+              <a:shade val="50000"/>
+            </a:schemeClr>
+          </a:lnRef>
+          <a:fillRef idx="1">
+            <a:schemeClr val="accent1"/>
+          </a:fillRef>
+          <a:effectRef idx="0">
+            <a:schemeClr val="accent1"/>
+          </a:effectRef>
+          <a:fontRef idx="minor">
+            <a:schemeClr val="lt1"/>
+          </a:fontRef>
+        </p:style>
+        <p:txBody>
+          <a:bodyPr rtlCol="0" anchor="ctr"/>
+          <a:lstStyle/>
+          <a:p>
+            <a:pPr algn="ctr"/>
+            <a:endParaRPr lang="pt-BR"/>
+          </a:p>
+        </p:txBody>
+      </p:sp>
+      <p:sp>
+        <p:nvSpPr>
+          <p:cNvPr id="8" name="Balão de Fala: Retângulo 7">
+            <a:extLst>
+              <a:ext uri="{FF2B5EF4-FFF2-40B4-BE49-F238E27FC236}">
+                <a16:creationId xmlns:a16="http://schemas.microsoft.com/office/drawing/2014/main" id="{90C7D58F-B0A4-447D-AFCE-999649B42FD0}"/>
+              </a:ext>
+            </a:extLst>
+          </p:cNvPr>
+          <p:cNvSpPr/>
+          <p:nvPr/>
+        </p:nvSpPr>
+        <p:spPr>
+          <a:xfrm>
+            <a:off x="6531429" y="4119154"/>
+            <a:ext cx="2242456" cy="444137"/>
+          </a:xfrm>
+          <a:prstGeom prst="wedgeRectCallout">
+            <a:avLst>
+              <a:gd name="adj1" fmla="val -53876"/>
+              <a:gd name="adj2" fmla="val 68382"/>
+            </a:avLst>
+          </a:prstGeom>
+        </p:spPr>
+        <p:style>
+          <a:lnRef idx="2">
+            <a:schemeClr val="accent1">
+              <a:shade val="50000"/>
+            </a:schemeClr>
+          </a:lnRef>
+          <a:fillRef idx="1">
+            <a:schemeClr val="accent1"/>
+          </a:fillRef>
+          <a:effectRef idx="0">
+            <a:schemeClr val="accent1"/>
+          </a:effectRef>
+          <a:fontRef idx="minor">
+            <a:schemeClr val="lt1"/>
+          </a:fontRef>
+        </p:style>
+        <p:txBody>
+          <a:bodyPr rtlCol="0" anchor="ctr"/>
+          <a:lstStyle/>
+          <a:p>
+            <a:pPr algn="ctr"/>
+            <a:r>
+              <a:rPr lang="pt-BR" dirty="0"/>
+              <a:t>Número de registros</a:t>
+            </a:r>
+          </a:p>
+        </p:txBody>
+      </p:sp>
+      <p:sp>
+        <p:nvSpPr>
+          <p:cNvPr id="12" name="Balão de Fala: Retângulo 11">
+            <a:extLst>
+              <a:ext uri="{FF2B5EF4-FFF2-40B4-BE49-F238E27FC236}">
+                <a16:creationId xmlns:a16="http://schemas.microsoft.com/office/drawing/2014/main" id="{11450922-CC9D-41E1-BF3F-53CD038A78D3}"/>
+              </a:ext>
+            </a:extLst>
+          </p:cNvPr>
+          <p:cNvSpPr/>
+          <p:nvPr/>
+        </p:nvSpPr>
+        <p:spPr>
+          <a:xfrm>
+            <a:off x="7019109" y="5867740"/>
+            <a:ext cx="2242456" cy="444137"/>
+          </a:xfrm>
+          <a:prstGeom prst="wedgeRectCallout">
+            <a:avLst>
+              <a:gd name="adj1" fmla="val -69021"/>
+              <a:gd name="adj2" fmla="val -231618"/>
+            </a:avLst>
+          </a:prstGeom>
+        </p:spPr>
+        <p:style>
+          <a:lnRef idx="2">
+            <a:schemeClr val="accent1">
+              <a:shade val="50000"/>
+            </a:schemeClr>
+          </a:lnRef>
+          <a:fillRef idx="1">
+            <a:schemeClr val="accent1"/>
+          </a:fillRef>
+          <a:effectRef idx="0">
+            <a:schemeClr val="accent1"/>
+          </a:effectRef>
+          <a:fontRef idx="minor">
+            <a:schemeClr val="lt1"/>
+          </a:fontRef>
+        </p:style>
+        <p:txBody>
+          <a:bodyPr rtlCol="0" anchor="ctr"/>
+          <a:lstStyle/>
+          <a:p>
+            <a:pPr algn="ctr"/>
+            <a:r>
+              <a:rPr lang="pt-BR" dirty="0"/>
+              <a:t>Vínculo contrato</a:t>
+            </a:r>
+          </a:p>
+        </p:txBody>
+      </p:sp>
+      <p:sp>
+        <p:nvSpPr>
+          <p:cNvPr id="11" name="Balão de Fala: Retângulo 10">
+            <a:extLst>
+              <a:ext uri="{FF2B5EF4-FFF2-40B4-BE49-F238E27FC236}">
+                <a16:creationId xmlns:a16="http://schemas.microsoft.com/office/drawing/2014/main" id="{F1CD4586-88F0-48A7-9692-841F0E5583BD}"/>
+              </a:ext>
+            </a:extLst>
+          </p:cNvPr>
+          <p:cNvSpPr/>
+          <p:nvPr/>
+        </p:nvSpPr>
+        <p:spPr>
+          <a:xfrm>
+            <a:off x="6958149" y="5197179"/>
+            <a:ext cx="2242456" cy="444137"/>
+          </a:xfrm>
+          <a:prstGeom prst="wedgeRectCallout">
+            <a:avLst>
+              <a:gd name="adj1" fmla="val -73682"/>
+              <a:gd name="adj2" fmla="val -129657"/>
+            </a:avLst>
+          </a:prstGeom>
+        </p:spPr>
+        <p:style>
+          <a:lnRef idx="2">
+            <a:schemeClr val="accent1">
+              <a:shade val="50000"/>
+            </a:schemeClr>
+          </a:lnRef>
+          <a:fillRef idx="1">
+            <a:schemeClr val="accent1"/>
+          </a:fillRef>
+          <a:effectRef idx="0">
+            <a:schemeClr val="accent1"/>
+          </a:effectRef>
+          <a:fontRef idx="minor">
+            <a:schemeClr val="lt1"/>
+          </a:fontRef>
+        </p:style>
+        <p:txBody>
+          <a:bodyPr rtlCol="0" anchor="ctr"/>
+          <a:lstStyle/>
+          <a:p>
+            <a:pPr algn="ctr"/>
+            <a:r>
+              <a:rPr lang="pt-BR" dirty="0"/>
+              <a:t>Vínculo classe</a:t>
+            </a:r>
+          </a:p>
+        </p:txBody>
+      </p:sp>
     </p:spTree>
     <p:extLst>
       <p:ext uri="{BB962C8B-B14F-4D97-AF65-F5344CB8AC3E}">

--- a/FLUXO.pptx
+++ b/FLUXO.pptx
@@ -6,10 +6,9 @@
   </p:sldMasterIdLst>
   <p:sldIdLst>
     <p:sldId id="256" r:id="rId2"/>
-    <p:sldId id="257" r:id="rId3"/>
-    <p:sldId id="258" r:id="rId4"/>
-    <p:sldId id="259" r:id="rId5"/>
-    <p:sldId id="260" r:id="rId6"/>
+    <p:sldId id="258" r:id="rId3"/>
+    <p:sldId id="259" r:id="rId4"/>
+    <p:sldId id="260" r:id="rId5"/>
   </p:sldIdLst>
   <p:sldSz cx="12192000" cy="6858000"/>
   <p:notesSz cx="6858000" cy="9144000"/>
@@ -263,7 +262,7 @@
           <a:p>
             <a:fld id="{CD362B38-24C6-4F4F-935A-6D05ED13AA2C}" type="datetimeFigureOut">
               <a:rPr lang="pt-BR" smtClean="0"/>
-              <a:t>09/04/2022</a:t>
+              <a:t>10/04/2022</a:t>
             </a:fld>
             <a:endParaRPr lang="pt-BR"/>
           </a:p>
@@ -461,7 +460,7 @@
           <a:p>
             <a:fld id="{CD362B38-24C6-4F4F-935A-6D05ED13AA2C}" type="datetimeFigureOut">
               <a:rPr lang="pt-BR" smtClean="0"/>
-              <a:t>09/04/2022</a:t>
+              <a:t>10/04/2022</a:t>
             </a:fld>
             <a:endParaRPr lang="pt-BR"/>
           </a:p>
@@ -669,7 +668,7 @@
           <a:p>
             <a:fld id="{CD362B38-24C6-4F4F-935A-6D05ED13AA2C}" type="datetimeFigureOut">
               <a:rPr lang="pt-BR" smtClean="0"/>
-              <a:t>09/04/2022</a:t>
+              <a:t>10/04/2022</a:t>
             </a:fld>
             <a:endParaRPr lang="pt-BR"/>
           </a:p>
@@ -867,7 +866,7 @@
           <a:p>
             <a:fld id="{CD362B38-24C6-4F4F-935A-6D05ED13AA2C}" type="datetimeFigureOut">
               <a:rPr lang="pt-BR" smtClean="0"/>
-              <a:t>09/04/2022</a:t>
+              <a:t>10/04/2022</a:t>
             </a:fld>
             <a:endParaRPr lang="pt-BR"/>
           </a:p>
@@ -1142,7 +1141,7 @@
           <a:p>
             <a:fld id="{CD362B38-24C6-4F4F-935A-6D05ED13AA2C}" type="datetimeFigureOut">
               <a:rPr lang="pt-BR" smtClean="0"/>
-              <a:t>09/04/2022</a:t>
+              <a:t>10/04/2022</a:t>
             </a:fld>
             <a:endParaRPr lang="pt-BR"/>
           </a:p>
@@ -1407,7 +1406,7 @@
           <a:p>
             <a:fld id="{CD362B38-24C6-4F4F-935A-6D05ED13AA2C}" type="datetimeFigureOut">
               <a:rPr lang="pt-BR" smtClean="0"/>
-              <a:t>09/04/2022</a:t>
+              <a:t>10/04/2022</a:t>
             </a:fld>
             <a:endParaRPr lang="pt-BR"/>
           </a:p>
@@ -1819,7 +1818,7 @@
           <a:p>
             <a:fld id="{CD362B38-24C6-4F4F-935A-6D05ED13AA2C}" type="datetimeFigureOut">
               <a:rPr lang="pt-BR" smtClean="0"/>
-              <a:t>09/04/2022</a:t>
+              <a:t>10/04/2022</a:t>
             </a:fld>
             <a:endParaRPr lang="pt-BR"/>
           </a:p>
@@ -1960,7 +1959,7 @@
           <a:p>
             <a:fld id="{CD362B38-24C6-4F4F-935A-6D05ED13AA2C}" type="datetimeFigureOut">
               <a:rPr lang="pt-BR" smtClean="0"/>
-              <a:t>09/04/2022</a:t>
+              <a:t>10/04/2022</a:t>
             </a:fld>
             <a:endParaRPr lang="pt-BR"/>
           </a:p>
@@ -2073,7 +2072,7 @@
           <a:p>
             <a:fld id="{CD362B38-24C6-4F4F-935A-6D05ED13AA2C}" type="datetimeFigureOut">
               <a:rPr lang="pt-BR" smtClean="0"/>
-              <a:t>09/04/2022</a:t>
+              <a:t>10/04/2022</a:t>
             </a:fld>
             <a:endParaRPr lang="pt-BR"/>
           </a:p>
@@ -2384,7 +2383,7 @@
           <a:p>
             <a:fld id="{CD362B38-24C6-4F4F-935A-6D05ED13AA2C}" type="datetimeFigureOut">
               <a:rPr lang="pt-BR" smtClean="0"/>
-              <a:t>09/04/2022</a:t>
+              <a:t>10/04/2022</a:t>
             </a:fld>
             <a:endParaRPr lang="pt-BR"/>
           </a:p>
@@ -2672,7 +2671,7 @@
           <a:p>
             <a:fld id="{CD362B38-24C6-4F4F-935A-6D05ED13AA2C}" type="datetimeFigureOut">
               <a:rPr lang="pt-BR" smtClean="0"/>
-              <a:t>09/04/2022</a:t>
+              <a:t>10/04/2022</a:t>
             </a:fld>
             <a:endParaRPr lang="pt-BR"/>
           </a:p>
@@ -2913,7 +2912,7 @@
           <a:p>
             <a:fld id="{CD362B38-24C6-4F4F-935A-6D05ED13AA2C}" type="datetimeFigureOut">
               <a:rPr lang="pt-BR" smtClean="0"/>
-              <a:t>09/04/2022</a:t>
+              <a:t>10/04/2022</a:t>
             </a:fld>
             <a:endParaRPr lang="pt-BR"/>
           </a:p>
@@ -3408,7 +3407,7 @@
             <a:pPr algn="ctr"/>
             <a:r>
               <a:rPr lang="pt-BR" dirty="0"/>
-              <a:t>Cubo professor</a:t>
+              <a:t>Cubo Técnico</a:t>
             </a:r>
           </a:p>
         </p:txBody>
@@ -3773,6 +3772,57 @@
           </a:p>
         </p:txBody>
       </p:sp>
+      <p:sp>
+        <p:nvSpPr>
+          <p:cNvPr id="13" name="Elipse 12">
+            <a:extLst>
+              <a:ext uri="{FF2B5EF4-FFF2-40B4-BE49-F238E27FC236}">
+                <a16:creationId xmlns:a16="http://schemas.microsoft.com/office/drawing/2014/main" id="{B92166BC-9E23-40ED-9765-3D865A59EF4B}"/>
+              </a:ext>
+            </a:extLst>
+          </p:cNvPr>
+          <p:cNvSpPr/>
+          <p:nvPr/>
+        </p:nvSpPr>
+        <p:spPr>
+          <a:xfrm>
+            <a:off x="4480562" y="2886890"/>
+            <a:ext cx="3526972" cy="3095899"/>
+          </a:xfrm>
+          <a:prstGeom prst="ellipse">
+            <a:avLst/>
+          </a:prstGeom>
+          <a:solidFill>
+            <a:srgbClr val="FF0000">
+              <a:alpha val="10196"/>
+            </a:srgbClr>
+          </a:solidFill>
+        </p:spPr>
+        <p:style>
+          <a:lnRef idx="2">
+            <a:schemeClr val="accent1">
+              <a:shade val="50000"/>
+            </a:schemeClr>
+          </a:lnRef>
+          <a:fillRef idx="1">
+            <a:schemeClr val="accent1"/>
+          </a:fillRef>
+          <a:effectRef idx="0">
+            <a:schemeClr val="accent1"/>
+          </a:effectRef>
+          <a:fontRef idx="minor">
+            <a:schemeClr val="lt1"/>
+          </a:fontRef>
+        </p:style>
+        <p:txBody>
+          <a:bodyPr rtlCol="0" anchor="ctr"/>
+          <a:lstStyle/>
+          <a:p>
+            <a:pPr algn="ctr"/>
+            <a:endParaRPr lang="pt-BR"/>
+          </a:p>
+        </p:txBody>
+      </p:sp>
     </p:spTree>
     <p:extLst>
       <p:ext uri="{BB962C8B-B14F-4D97-AF65-F5344CB8AC3E}">
@@ -3803,12 +3853,62 @@
           <a:chExt cx="0" cy="0"/>
         </a:xfrm>
       </p:grpSpPr>
+      <p:sp>
+        <p:nvSpPr>
+          <p:cNvPr id="2" name="Título 1">
+            <a:extLst>
+              <a:ext uri="{FF2B5EF4-FFF2-40B4-BE49-F238E27FC236}">
+                <a16:creationId xmlns:a16="http://schemas.microsoft.com/office/drawing/2014/main" id="{4C945935-6AB1-4FEF-BCEA-93A55D08D46E}"/>
+              </a:ext>
+            </a:extLst>
+          </p:cNvPr>
+          <p:cNvSpPr>
+            <a:spLocks noGrp="1"/>
+          </p:cNvSpPr>
+          <p:nvPr>
+            <p:ph type="title"/>
+          </p:nvPr>
+        </p:nvSpPr>
+        <p:spPr/>
+        <p:txBody>
+          <a:bodyPr/>
+          <a:lstStyle/>
+          <a:p>
+            <a:endParaRPr lang="pt-BR"/>
+          </a:p>
+        </p:txBody>
+      </p:sp>
+      <p:sp>
+        <p:nvSpPr>
+          <p:cNvPr id="3" name="Espaço Reservado para Conteúdo 2">
+            <a:extLst>
+              <a:ext uri="{FF2B5EF4-FFF2-40B4-BE49-F238E27FC236}">
+                <a16:creationId xmlns:a16="http://schemas.microsoft.com/office/drawing/2014/main" id="{F2CB1CCA-B77E-4E34-A317-3D1D564B82C3}"/>
+              </a:ext>
+            </a:extLst>
+          </p:cNvPr>
+          <p:cNvSpPr>
+            <a:spLocks noGrp="1"/>
+          </p:cNvSpPr>
+          <p:nvPr>
+            <p:ph idx="1"/>
+          </p:nvPr>
+        </p:nvSpPr>
+        <p:spPr/>
+        <p:txBody>
+          <a:bodyPr/>
+          <a:lstStyle/>
+          <a:p>
+            <a:endParaRPr lang="pt-BR"/>
+          </a:p>
+        </p:txBody>
+      </p:sp>
       <p:pic>
         <p:nvPicPr>
-          <p:cNvPr id="2050" name="Picture 2">
-            <a:extLst>
-              <a:ext uri="{FF2B5EF4-FFF2-40B4-BE49-F238E27FC236}">
-                <a16:creationId xmlns:a16="http://schemas.microsoft.com/office/drawing/2014/main" id="{34F83572-612C-4421-8702-EF03A79E2D29}"/>
+          <p:cNvPr id="1026" name="Picture 2">
+            <a:extLst>
+              <a:ext uri="{FF2B5EF4-FFF2-40B4-BE49-F238E27FC236}">
+                <a16:creationId xmlns:a16="http://schemas.microsoft.com/office/drawing/2014/main" id="{51F0569A-3F68-459A-A163-F2CF486F51A5}"/>
               </a:ext>
             </a:extLst>
           </p:cNvPr>
@@ -3832,8 +3932,8 @@
         </p:blipFill>
         <p:spPr bwMode="auto">
           <a:xfrm>
-            <a:off x="823913" y="371475"/>
-            <a:ext cx="10544175" cy="6115050"/>
+            <a:off x="414338" y="223838"/>
+            <a:ext cx="11363325" cy="6410325"/>
           </a:xfrm>
           <a:prstGeom prst="rect">
             <a:avLst/>
@@ -3850,46 +3950,10 @@
           </a:extLst>
         </p:spPr>
       </p:pic>
-      <p:sp>
-        <p:nvSpPr>
-          <p:cNvPr id="5" name="CaixaDeTexto 4">
-            <a:extLst>
-              <a:ext uri="{FF2B5EF4-FFF2-40B4-BE49-F238E27FC236}">
-                <a16:creationId xmlns:a16="http://schemas.microsoft.com/office/drawing/2014/main" id="{1E1BFF5C-C219-4FBB-892C-3312808BDD59}"/>
-              </a:ext>
-            </a:extLst>
-          </p:cNvPr>
-          <p:cNvSpPr txBox="1"/>
-          <p:nvPr/>
-        </p:nvSpPr>
-        <p:spPr>
-          <a:xfrm>
-            <a:off x="3333750" y="0"/>
-            <a:ext cx="5200650" cy="369332"/>
-          </a:xfrm>
-          <a:prstGeom prst="rect">
-            <a:avLst/>
-          </a:prstGeom>
-          <a:noFill/>
-        </p:spPr>
-        <p:txBody>
-          <a:bodyPr wrap="square" rtlCol="0">
-            <a:spAutoFit/>
-          </a:bodyPr>
-          <a:lstStyle/>
-          <a:p>
-            <a:pPr algn="ctr"/>
-            <a:r>
-              <a:rPr lang="pt-BR" dirty="0"/>
-              <a:t>Cubo técnico</a:t>
-            </a:r>
-          </a:p>
-        </p:txBody>
-      </p:sp>
     </p:spTree>
     <p:extLst>
       <p:ext uri="{BB962C8B-B14F-4D97-AF65-F5344CB8AC3E}">
-        <p14:creationId xmlns:p14="http://schemas.microsoft.com/office/powerpoint/2010/main" val="3827388413"/>
+        <p14:creationId xmlns:p14="http://schemas.microsoft.com/office/powerpoint/2010/main" val="3350532738"/>
       </p:ext>
     </p:extLst>
   </p:cSld>
@@ -3921,86 +3985,6 @@
           <p:cNvPr id="2" name="Título 1">
             <a:extLst>
               <a:ext uri="{FF2B5EF4-FFF2-40B4-BE49-F238E27FC236}">
-                <a16:creationId xmlns:a16="http://schemas.microsoft.com/office/drawing/2014/main" id="{4C945935-6AB1-4FEF-BCEA-93A55D08D46E}"/>
-              </a:ext>
-            </a:extLst>
-          </p:cNvPr>
-          <p:cNvSpPr>
-            <a:spLocks noGrp="1"/>
-          </p:cNvSpPr>
-          <p:nvPr>
-            <p:ph type="title"/>
-          </p:nvPr>
-        </p:nvSpPr>
-        <p:spPr/>
-        <p:txBody>
-          <a:bodyPr/>
-          <a:lstStyle/>
-          <a:p>
-            <a:endParaRPr lang="pt-BR"/>
-          </a:p>
-        </p:txBody>
-      </p:sp>
-      <p:sp>
-        <p:nvSpPr>
-          <p:cNvPr id="3" name="Espaço Reservado para Conteúdo 2">
-            <a:extLst>
-              <a:ext uri="{FF2B5EF4-FFF2-40B4-BE49-F238E27FC236}">
-                <a16:creationId xmlns:a16="http://schemas.microsoft.com/office/drawing/2014/main" id="{F2CB1CCA-B77E-4E34-A317-3D1D564B82C3}"/>
-              </a:ext>
-            </a:extLst>
-          </p:cNvPr>
-          <p:cNvSpPr>
-            <a:spLocks noGrp="1"/>
-          </p:cNvSpPr>
-          <p:nvPr>
-            <p:ph idx="1"/>
-          </p:nvPr>
-        </p:nvSpPr>
-        <p:spPr/>
-        <p:txBody>
-          <a:bodyPr/>
-          <a:lstStyle/>
-          <a:p>
-            <a:endParaRPr lang="pt-BR"/>
-          </a:p>
-        </p:txBody>
-      </p:sp>
-    </p:spTree>
-    <p:extLst>
-      <p:ext uri="{BB962C8B-B14F-4D97-AF65-F5344CB8AC3E}">
-        <p14:creationId xmlns:p14="http://schemas.microsoft.com/office/powerpoint/2010/main" val="3350532738"/>
-      </p:ext>
-    </p:extLst>
-  </p:cSld>
-  <p:clrMapOvr>
-    <a:masterClrMapping/>
-  </p:clrMapOvr>
-</p:sld>
-</file>
-
-<file path=ppt/slides/slide4.xml><?xml version="1.0" encoding="utf-8"?>
-<p:sld xmlns:a="http://schemas.openxmlformats.org/drawingml/2006/main" xmlns:r="http://schemas.openxmlformats.org/officeDocument/2006/relationships" xmlns:p="http://schemas.openxmlformats.org/presentationml/2006/main">
-  <p:cSld>
-    <p:spTree>
-      <p:nvGrpSpPr>
-        <p:cNvPr id="1" name=""/>
-        <p:cNvGrpSpPr/>
-        <p:nvPr/>
-      </p:nvGrpSpPr>
-      <p:grpSpPr>
-        <a:xfrm>
-          <a:off x="0" y="0"/>
-          <a:ext cx="0" cy="0"/>
-          <a:chOff x="0" y="0"/>
-          <a:chExt cx="0" cy="0"/>
-        </a:xfrm>
-      </p:grpSpPr>
-      <p:sp>
-        <p:nvSpPr>
-          <p:cNvPr id="2" name="Título 1">
-            <a:extLst>
-              <a:ext uri="{FF2B5EF4-FFF2-40B4-BE49-F238E27FC236}">
                 <a16:creationId xmlns:a16="http://schemas.microsoft.com/office/drawing/2014/main" id="{ECED9C3B-AFFD-40AA-BE8A-D0DD6D714748}"/>
               </a:ext>
             </a:extLst>
@@ -4059,7 +4043,7 @@
 </p:sld>
 </file>
 
-<file path=ppt/slides/slide5.xml><?xml version="1.0" encoding="utf-8"?>
+<file path=ppt/slides/slide4.xml><?xml version="1.0" encoding="utf-8"?>
 <p:sld xmlns:a="http://schemas.openxmlformats.org/drawingml/2006/main" xmlns:r="http://schemas.openxmlformats.org/officeDocument/2006/relationships" xmlns:p="http://schemas.openxmlformats.org/presentationml/2006/main">
   <p:cSld>
     <p:spTree>

--- a/FLUXO.pptx
+++ b/FLUXO.pptx
@@ -8,7 +8,6 @@
     <p:sldId id="256" r:id="rId2"/>
     <p:sldId id="258" r:id="rId3"/>
     <p:sldId id="259" r:id="rId4"/>
-    <p:sldId id="260" r:id="rId5"/>
   </p:sldIdLst>
   <p:sldSz cx="12192000" cy="6858000"/>
   <p:notesSz cx="6858000" cy="9144000"/>
@@ -109,7 +108,18 @@
   </p:defaultTextStyle>
   <p:extLst>
     <p:ext uri="{EFAFB233-063F-42B5-8137-9DF3F51BA10A}">
-      <p15:sldGuideLst xmlns:p15="http://schemas.microsoft.com/office/powerpoint/2012/main"/>
+      <p15:sldGuideLst xmlns:p15="http://schemas.microsoft.com/office/powerpoint/2012/main">
+        <p15:guide id="1" orient="horz" pos="2160" userDrawn="1">
+          <p15:clr>
+            <a:srgbClr val="A4A3A4"/>
+          </p15:clr>
+        </p15:guide>
+        <p15:guide id="2" pos="3840" userDrawn="1">
+          <p15:clr>
+            <a:srgbClr val="A4A3A4"/>
+          </p15:clr>
+        </p15:guide>
+      </p15:sldGuideLst>
     </p:ext>
   </p:extLst>
 </p:presentation>
@@ -262,7 +272,7 @@
           <a:p>
             <a:fld id="{CD362B38-24C6-4F4F-935A-6D05ED13AA2C}" type="datetimeFigureOut">
               <a:rPr lang="pt-BR" smtClean="0"/>
-              <a:t>10/04/2022</a:t>
+              <a:t>11/04/2022</a:t>
             </a:fld>
             <a:endParaRPr lang="pt-BR"/>
           </a:p>
@@ -460,7 +470,7 @@
           <a:p>
             <a:fld id="{CD362B38-24C6-4F4F-935A-6D05ED13AA2C}" type="datetimeFigureOut">
               <a:rPr lang="pt-BR" smtClean="0"/>
-              <a:t>10/04/2022</a:t>
+              <a:t>11/04/2022</a:t>
             </a:fld>
             <a:endParaRPr lang="pt-BR"/>
           </a:p>
@@ -668,7 +678,7 @@
           <a:p>
             <a:fld id="{CD362B38-24C6-4F4F-935A-6D05ED13AA2C}" type="datetimeFigureOut">
               <a:rPr lang="pt-BR" smtClean="0"/>
-              <a:t>10/04/2022</a:t>
+              <a:t>11/04/2022</a:t>
             </a:fld>
             <a:endParaRPr lang="pt-BR"/>
           </a:p>
@@ -866,7 +876,7 @@
           <a:p>
             <a:fld id="{CD362B38-24C6-4F4F-935A-6D05ED13AA2C}" type="datetimeFigureOut">
               <a:rPr lang="pt-BR" smtClean="0"/>
-              <a:t>10/04/2022</a:t>
+              <a:t>11/04/2022</a:t>
             </a:fld>
             <a:endParaRPr lang="pt-BR"/>
           </a:p>
@@ -1141,7 +1151,7 @@
           <a:p>
             <a:fld id="{CD362B38-24C6-4F4F-935A-6D05ED13AA2C}" type="datetimeFigureOut">
               <a:rPr lang="pt-BR" smtClean="0"/>
-              <a:t>10/04/2022</a:t>
+              <a:t>11/04/2022</a:t>
             </a:fld>
             <a:endParaRPr lang="pt-BR"/>
           </a:p>
@@ -1406,7 +1416,7 @@
           <a:p>
             <a:fld id="{CD362B38-24C6-4F4F-935A-6D05ED13AA2C}" type="datetimeFigureOut">
               <a:rPr lang="pt-BR" smtClean="0"/>
-              <a:t>10/04/2022</a:t>
+              <a:t>11/04/2022</a:t>
             </a:fld>
             <a:endParaRPr lang="pt-BR"/>
           </a:p>
@@ -1818,7 +1828,7 @@
           <a:p>
             <a:fld id="{CD362B38-24C6-4F4F-935A-6D05ED13AA2C}" type="datetimeFigureOut">
               <a:rPr lang="pt-BR" smtClean="0"/>
-              <a:t>10/04/2022</a:t>
+              <a:t>11/04/2022</a:t>
             </a:fld>
             <a:endParaRPr lang="pt-BR"/>
           </a:p>
@@ -1959,7 +1969,7 @@
           <a:p>
             <a:fld id="{CD362B38-24C6-4F4F-935A-6D05ED13AA2C}" type="datetimeFigureOut">
               <a:rPr lang="pt-BR" smtClean="0"/>
-              <a:t>10/04/2022</a:t>
+              <a:t>11/04/2022</a:t>
             </a:fld>
             <a:endParaRPr lang="pt-BR"/>
           </a:p>
@@ -2072,7 +2082,7 @@
           <a:p>
             <a:fld id="{CD362B38-24C6-4F4F-935A-6D05ED13AA2C}" type="datetimeFigureOut">
               <a:rPr lang="pt-BR" smtClean="0"/>
-              <a:t>10/04/2022</a:t>
+              <a:t>11/04/2022</a:t>
             </a:fld>
             <a:endParaRPr lang="pt-BR"/>
           </a:p>
@@ -2383,7 +2393,7 @@
           <a:p>
             <a:fld id="{CD362B38-24C6-4F4F-935A-6D05ED13AA2C}" type="datetimeFigureOut">
               <a:rPr lang="pt-BR" smtClean="0"/>
-              <a:t>10/04/2022</a:t>
+              <a:t>11/04/2022</a:t>
             </a:fld>
             <a:endParaRPr lang="pt-BR"/>
           </a:p>
@@ -2671,7 +2681,7 @@
           <a:p>
             <a:fld id="{CD362B38-24C6-4F4F-935A-6D05ED13AA2C}" type="datetimeFigureOut">
               <a:rPr lang="pt-BR" smtClean="0"/>
-              <a:t>10/04/2022</a:t>
+              <a:t>11/04/2022</a:t>
             </a:fld>
             <a:endParaRPr lang="pt-BR"/>
           </a:p>
@@ -2912,7 +2922,7 @@
           <a:p>
             <a:fld id="{CD362B38-24C6-4F4F-935A-6D05ED13AA2C}" type="datetimeFigureOut">
               <a:rPr lang="pt-BR" smtClean="0"/>
-              <a:t>10/04/2022</a:t>
+              <a:t>11/04/2022</a:t>
             </a:fld>
             <a:endParaRPr lang="pt-BR"/>
           </a:p>
@@ -3950,6 +3960,261 @@
           </a:extLst>
         </p:spPr>
       </p:pic>
+      <p:sp>
+        <p:nvSpPr>
+          <p:cNvPr id="5" name="Elipse 4">
+            <a:extLst>
+              <a:ext uri="{FF2B5EF4-FFF2-40B4-BE49-F238E27FC236}">
+                <a16:creationId xmlns:a16="http://schemas.microsoft.com/office/drawing/2014/main" id="{9E42137A-E3BE-4263-B7BF-9FBBFB153519}"/>
+              </a:ext>
+            </a:extLst>
+          </p:cNvPr>
+          <p:cNvSpPr/>
+          <p:nvPr/>
+        </p:nvSpPr>
+        <p:spPr>
+          <a:xfrm>
+            <a:off x="65313" y="2381794"/>
+            <a:ext cx="3526972" cy="1872343"/>
+          </a:xfrm>
+          <a:prstGeom prst="ellipse">
+            <a:avLst/>
+          </a:prstGeom>
+          <a:solidFill>
+            <a:srgbClr val="FF0000">
+              <a:alpha val="10196"/>
+            </a:srgbClr>
+          </a:solidFill>
+        </p:spPr>
+        <p:style>
+          <a:lnRef idx="2">
+            <a:schemeClr val="accent1">
+              <a:shade val="50000"/>
+            </a:schemeClr>
+          </a:lnRef>
+          <a:fillRef idx="1">
+            <a:schemeClr val="accent1"/>
+          </a:fillRef>
+          <a:effectRef idx="0">
+            <a:schemeClr val="accent1"/>
+          </a:effectRef>
+          <a:fontRef idx="minor">
+            <a:schemeClr val="lt1"/>
+          </a:fontRef>
+        </p:style>
+        <p:txBody>
+          <a:bodyPr rtlCol="0" anchor="ctr"/>
+          <a:lstStyle/>
+          <a:p>
+            <a:pPr algn="ctr"/>
+            <a:endParaRPr lang="pt-BR"/>
+          </a:p>
+        </p:txBody>
+      </p:sp>
+      <p:sp>
+        <p:nvSpPr>
+          <p:cNvPr id="6" name="Elipse 5">
+            <a:extLst>
+              <a:ext uri="{FF2B5EF4-FFF2-40B4-BE49-F238E27FC236}">
+                <a16:creationId xmlns:a16="http://schemas.microsoft.com/office/drawing/2014/main" id="{64E803A4-B541-4BDE-A291-6689D6D4DF08}"/>
+              </a:ext>
+            </a:extLst>
+          </p:cNvPr>
+          <p:cNvSpPr/>
+          <p:nvPr/>
+        </p:nvSpPr>
+        <p:spPr>
+          <a:xfrm>
+            <a:off x="1410788" y="280148"/>
+            <a:ext cx="3526972" cy="1872343"/>
+          </a:xfrm>
+          <a:prstGeom prst="ellipse">
+            <a:avLst/>
+          </a:prstGeom>
+          <a:solidFill>
+            <a:srgbClr val="FF0000">
+              <a:alpha val="10196"/>
+            </a:srgbClr>
+          </a:solidFill>
+        </p:spPr>
+        <p:style>
+          <a:lnRef idx="2">
+            <a:schemeClr val="accent1">
+              <a:shade val="50000"/>
+            </a:schemeClr>
+          </a:lnRef>
+          <a:fillRef idx="1">
+            <a:schemeClr val="accent1"/>
+          </a:fillRef>
+          <a:effectRef idx="0">
+            <a:schemeClr val="accent1"/>
+          </a:effectRef>
+          <a:fontRef idx="minor">
+            <a:schemeClr val="lt1"/>
+          </a:fontRef>
+        </p:style>
+        <p:txBody>
+          <a:bodyPr rtlCol="0" anchor="ctr"/>
+          <a:lstStyle/>
+          <a:p>
+            <a:pPr algn="ctr"/>
+            <a:endParaRPr lang="pt-BR"/>
+          </a:p>
+        </p:txBody>
+      </p:sp>
+      <p:sp>
+        <p:nvSpPr>
+          <p:cNvPr id="7" name="Elipse 6">
+            <a:extLst>
+              <a:ext uri="{FF2B5EF4-FFF2-40B4-BE49-F238E27FC236}">
+                <a16:creationId xmlns:a16="http://schemas.microsoft.com/office/drawing/2014/main" id="{B108161E-47C8-41AA-B420-EDC0240F1352}"/>
+              </a:ext>
+            </a:extLst>
+          </p:cNvPr>
+          <p:cNvSpPr/>
+          <p:nvPr/>
+        </p:nvSpPr>
+        <p:spPr>
+          <a:xfrm>
+            <a:off x="8538754" y="432253"/>
+            <a:ext cx="3526972" cy="1872343"/>
+          </a:xfrm>
+          <a:prstGeom prst="ellipse">
+            <a:avLst/>
+          </a:prstGeom>
+          <a:solidFill>
+            <a:srgbClr val="FF0000">
+              <a:alpha val="10196"/>
+            </a:srgbClr>
+          </a:solidFill>
+        </p:spPr>
+        <p:style>
+          <a:lnRef idx="2">
+            <a:schemeClr val="accent1">
+              <a:shade val="50000"/>
+            </a:schemeClr>
+          </a:lnRef>
+          <a:fillRef idx="1">
+            <a:schemeClr val="accent1"/>
+          </a:fillRef>
+          <a:effectRef idx="0">
+            <a:schemeClr val="accent1"/>
+          </a:effectRef>
+          <a:fontRef idx="minor">
+            <a:schemeClr val="lt1"/>
+          </a:fontRef>
+        </p:style>
+        <p:txBody>
+          <a:bodyPr rtlCol="0" anchor="ctr"/>
+          <a:lstStyle/>
+          <a:p>
+            <a:pPr algn="ctr"/>
+            <a:endParaRPr lang="pt-BR"/>
+          </a:p>
+        </p:txBody>
+      </p:sp>
+      <p:sp>
+        <p:nvSpPr>
+          <p:cNvPr id="8" name="Elipse 7">
+            <a:extLst>
+              <a:ext uri="{FF2B5EF4-FFF2-40B4-BE49-F238E27FC236}">
+                <a16:creationId xmlns:a16="http://schemas.microsoft.com/office/drawing/2014/main" id="{E26EDD79-B60A-44C9-9444-ABDEBB9FEA2B}"/>
+              </a:ext>
+            </a:extLst>
+          </p:cNvPr>
+          <p:cNvSpPr/>
+          <p:nvPr/>
+        </p:nvSpPr>
+        <p:spPr>
+          <a:xfrm>
+            <a:off x="8394723" y="2690700"/>
+            <a:ext cx="3526972" cy="1872343"/>
+          </a:xfrm>
+          <a:prstGeom prst="ellipse">
+            <a:avLst/>
+          </a:prstGeom>
+          <a:solidFill>
+            <a:srgbClr val="FF0000">
+              <a:alpha val="10196"/>
+            </a:srgbClr>
+          </a:solidFill>
+        </p:spPr>
+        <p:style>
+          <a:lnRef idx="2">
+            <a:schemeClr val="accent1">
+              <a:shade val="50000"/>
+            </a:schemeClr>
+          </a:lnRef>
+          <a:fillRef idx="1">
+            <a:schemeClr val="accent1"/>
+          </a:fillRef>
+          <a:effectRef idx="0">
+            <a:schemeClr val="accent1"/>
+          </a:effectRef>
+          <a:fontRef idx="minor">
+            <a:schemeClr val="lt1"/>
+          </a:fontRef>
+        </p:style>
+        <p:txBody>
+          <a:bodyPr rtlCol="0" anchor="ctr"/>
+          <a:lstStyle/>
+          <a:p>
+            <a:pPr algn="ctr"/>
+            <a:endParaRPr lang="pt-BR"/>
+          </a:p>
+        </p:txBody>
+      </p:sp>
+      <p:sp>
+        <p:nvSpPr>
+          <p:cNvPr id="9" name="Elipse 8">
+            <a:extLst>
+              <a:ext uri="{FF2B5EF4-FFF2-40B4-BE49-F238E27FC236}">
+                <a16:creationId xmlns:a16="http://schemas.microsoft.com/office/drawing/2014/main" id="{35AF8C8E-4483-47B1-8076-402E4B9A0C04}"/>
+              </a:ext>
+            </a:extLst>
+          </p:cNvPr>
+          <p:cNvSpPr/>
+          <p:nvPr/>
+        </p:nvSpPr>
+        <p:spPr>
+          <a:xfrm>
+            <a:off x="5011782" y="3380896"/>
+            <a:ext cx="3526972" cy="3136502"/>
+          </a:xfrm>
+          <a:prstGeom prst="ellipse">
+            <a:avLst/>
+          </a:prstGeom>
+          <a:solidFill>
+            <a:srgbClr val="FF0000">
+              <a:alpha val="10196"/>
+            </a:srgbClr>
+          </a:solidFill>
+        </p:spPr>
+        <p:style>
+          <a:lnRef idx="2">
+            <a:schemeClr val="accent1">
+              <a:shade val="50000"/>
+            </a:schemeClr>
+          </a:lnRef>
+          <a:fillRef idx="1">
+            <a:schemeClr val="accent1"/>
+          </a:fillRef>
+          <a:effectRef idx="0">
+            <a:schemeClr val="accent1"/>
+          </a:effectRef>
+          <a:fontRef idx="minor">
+            <a:schemeClr val="lt1"/>
+          </a:fontRef>
+        </p:style>
+        <p:txBody>
+          <a:bodyPr rtlCol="0" anchor="ctr"/>
+          <a:lstStyle/>
+          <a:p>
+            <a:pPr algn="ctr"/>
+            <a:endParaRPr lang="pt-BR"/>
+          </a:p>
+        </p:txBody>
+      </p:sp>
     </p:spTree>
     <p:extLst>
       <p:ext uri="{BB962C8B-B14F-4D97-AF65-F5344CB8AC3E}">
@@ -3982,50 +4247,189 @@
       </p:grpSpPr>
       <p:sp>
         <p:nvSpPr>
-          <p:cNvPr id="2" name="Título 1">
-            <a:extLst>
-              <a:ext uri="{FF2B5EF4-FFF2-40B4-BE49-F238E27FC236}">
-                <a16:creationId xmlns:a16="http://schemas.microsoft.com/office/drawing/2014/main" id="{ECED9C3B-AFFD-40AA-BE8A-D0DD6D714748}"/>
-              </a:ext>
-            </a:extLst>
-          </p:cNvPr>
-          <p:cNvSpPr>
-            <a:spLocks noGrp="1"/>
-          </p:cNvSpPr>
-          <p:nvPr>
-            <p:ph type="title"/>
-          </p:nvPr>
-        </p:nvSpPr>
-        <p:spPr/>
-        <p:txBody>
-          <a:bodyPr/>
-          <a:lstStyle/>
-          <a:p>
-            <a:endParaRPr lang="pt-BR"/>
-          </a:p>
-        </p:txBody>
-      </p:sp>
-      <p:sp>
-        <p:nvSpPr>
-          <p:cNvPr id="3" name="Espaço Reservado para Conteúdo 2">
-            <a:extLst>
-              <a:ext uri="{FF2B5EF4-FFF2-40B4-BE49-F238E27FC236}">
-                <a16:creationId xmlns:a16="http://schemas.microsoft.com/office/drawing/2014/main" id="{1FC65CAF-1161-44E1-8ECC-BFF7D18F6B72}"/>
-              </a:ext>
-            </a:extLst>
-          </p:cNvPr>
-          <p:cNvSpPr>
-            <a:spLocks noGrp="1"/>
-          </p:cNvSpPr>
-          <p:nvPr>
-            <p:ph idx="1"/>
-          </p:nvPr>
-        </p:nvSpPr>
-        <p:spPr/>
-        <p:txBody>
-          <a:bodyPr/>
-          <a:lstStyle/>
-          <a:p>
+          <p:cNvPr id="5" name="Retângulo 4">
+            <a:extLst>
+              <a:ext uri="{FF2B5EF4-FFF2-40B4-BE49-F238E27FC236}">
+                <a16:creationId xmlns:a16="http://schemas.microsoft.com/office/drawing/2014/main" id="{4BD83C40-0F85-4721-899E-C4A9C9A29361}"/>
+              </a:ext>
+            </a:extLst>
+          </p:cNvPr>
+          <p:cNvSpPr/>
+          <p:nvPr/>
+        </p:nvSpPr>
+        <p:spPr>
+          <a:xfrm>
+            <a:off x="219075" y="605502"/>
+            <a:ext cx="723900" cy="5985798"/>
+          </a:xfrm>
+          <a:prstGeom prst="rect">
+            <a:avLst/>
+          </a:prstGeom>
+          <a:gradFill flip="none" rotWithShape="1">
+            <a:gsLst>
+              <a:gs pos="0">
+                <a:srgbClr val="245658">
+                  <a:shade val="30000"/>
+                  <a:satMod val="115000"/>
+                </a:srgbClr>
+              </a:gs>
+              <a:gs pos="50000">
+                <a:srgbClr val="245658">
+                  <a:shade val="67500"/>
+                  <a:satMod val="115000"/>
+                </a:srgbClr>
+              </a:gs>
+              <a:gs pos="100000">
+                <a:srgbClr val="245658">
+                  <a:shade val="100000"/>
+                  <a:satMod val="115000"/>
+                </a:srgbClr>
+              </a:gs>
+            </a:gsLst>
+            <a:lin ang="16200000" scaled="1"/>
+            <a:tileRect/>
+          </a:gradFill>
+        </p:spPr>
+        <p:style>
+          <a:lnRef idx="2">
+            <a:schemeClr val="accent1">
+              <a:shade val="50000"/>
+            </a:schemeClr>
+          </a:lnRef>
+          <a:fillRef idx="1">
+            <a:schemeClr val="accent1"/>
+          </a:fillRef>
+          <a:effectRef idx="0">
+            <a:schemeClr val="accent1"/>
+          </a:effectRef>
+          <a:fontRef idx="minor">
+            <a:schemeClr val="lt1"/>
+          </a:fontRef>
+        </p:style>
+        <p:txBody>
+          <a:bodyPr rtlCol="0" anchor="ctr"/>
+          <a:lstStyle/>
+          <a:p>
+            <a:pPr algn="ctr"/>
+            <a:endParaRPr lang="pt-BR"/>
+          </a:p>
+        </p:txBody>
+      </p:sp>
+      <p:sp>
+        <p:nvSpPr>
+          <p:cNvPr id="9" name="Retângulo 8">
+            <a:extLst>
+              <a:ext uri="{FF2B5EF4-FFF2-40B4-BE49-F238E27FC236}">
+                <a16:creationId xmlns:a16="http://schemas.microsoft.com/office/drawing/2014/main" id="{B3BA0C58-E510-45FA-BA5E-75ECD3741BDD}"/>
+              </a:ext>
+            </a:extLst>
+          </p:cNvPr>
+          <p:cNvSpPr/>
+          <p:nvPr/>
+        </p:nvSpPr>
+        <p:spPr>
+          <a:xfrm rot="16200000" flipH="1">
+            <a:off x="6068496" y="-4710520"/>
+            <a:ext cx="369333" cy="11001375"/>
+          </a:xfrm>
+          <a:prstGeom prst="rect">
+            <a:avLst/>
+          </a:prstGeom>
+          <a:gradFill flip="none" rotWithShape="1">
+            <a:gsLst>
+              <a:gs pos="0">
+                <a:srgbClr val="01798E"/>
+              </a:gs>
+              <a:gs pos="50000">
+                <a:srgbClr val="245658">
+                  <a:shade val="67500"/>
+                  <a:satMod val="115000"/>
+                </a:srgbClr>
+              </a:gs>
+              <a:gs pos="100000">
+                <a:srgbClr val="245658">
+                  <a:shade val="100000"/>
+                  <a:satMod val="115000"/>
+                </a:srgbClr>
+              </a:gs>
+            </a:gsLst>
+            <a:lin ang="16200000" scaled="1"/>
+            <a:tileRect/>
+          </a:gradFill>
+        </p:spPr>
+        <p:style>
+          <a:lnRef idx="2">
+            <a:schemeClr val="accent1">
+              <a:shade val="50000"/>
+            </a:schemeClr>
+          </a:lnRef>
+          <a:fillRef idx="1">
+            <a:schemeClr val="accent1"/>
+          </a:fillRef>
+          <a:effectRef idx="0">
+            <a:schemeClr val="accent1"/>
+          </a:effectRef>
+          <a:fontRef idx="minor">
+            <a:schemeClr val="lt1"/>
+          </a:fontRef>
+        </p:style>
+        <p:txBody>
+          <a:bodyPr rtlCol="0" anchor="ctr"/>
+          <a:lstStyle/>
+          <a:p>
+            <a:pPr algn="ctr"/>
+            <a:endParaRPr lang="pt-BR"/>
+          </a:p>
+        </p:txBody>
+      </p:sp>
+      <p:sp>
+        <p:nvSpPr>
+          <p:cNvPr id="16" name="Retângulo 15">
+            <a:extLst>
+              <a:ext uri="{FF2B5EF4-FFF2-40B4-BE49-F238E27FC236}">
+                <a16:creationId xmlns:a16="http://schemas.microsoft.com/office/drawing/2014/main" id="{7FC5A4E5-5A6A-487A-8C5F-08824E0FAA69}"/>
+              </a:ext>
+            </a:extLst>
+          </p:cNvPr>
+          <p:cNvSpPr/>
+          <p:nvPr/>
+        </p:nvSpPr>
+        <p:spPr>
+          <a:xfrm>
+            <a:off x="158750" y="2011104"/>
+            <a:ext cx="790575" cy="655896"/>
+          </a:xfrm>
+          <a:prstGeom prst="rect">
+            <a:avLst/>
+          </a:prstGeom>
+          <a:solidFill>
+            <a:schemeClr val="bg1"/>
+          </a:solidFill>
+          <a:ln>
+            <a:noFill/>
+          </a:ln>
+        </p:spPr>
+        <p:style>
+          <a:lnRef idx="2">
+            <a:schemeClr val="accent1">
+              <a:shade val="50000"/>
+            </a:schemeClr>
+          </a:lnRef>
+          <a:fillRef idx="1">
+            <a:schemeClr val="accent1"/>
+          </a:fillRef>
+          <a:effectRef idx="0">
+            <a:schemeClr val="accent1"/>
+          </a:effectRef>
+          <a:fontRef idx="minor">
+            <a:schemeClr val="lt1"/>
+          </a:fontRef>
+        </p:style>
+        <p:txBody>
+          <a:bodyPr rtlCol="0" anchor="ctr"/>
+          <a:lstStyle/>
+          <a:p>
+            <a:pPr algn="ctr"/>
             <a:endParaRPr lang="pt-BR"/>
           </a:p>
         </p:txBody>
@@ -4033,87 +4437,7 @@
     </p:spTree>
     <p:extLst>
       <p:ext uri="{BB962C8B-B14F-4D97-AF65-F5344CB8AC3E}">
-        <p14:creationId xmlns:p14="http://schemas.microsoft.com/office/powerpoint/2010/main" val="2966379813"/>
-      </p:ext>
-    </p:extLst>
-  </p:cSld>
-  <p:clrMapOvr>
-    <a:masterClrMapping/>
-  </p:clrMapOvr>
-</p:sld>
-</file>
-
-<file path=ppt/slides/slide4.xml><?xml version="1.0" encoding="utf-8"?>
-<p:sld xmlns:a="http://schemas.openxmlformats.org/drawingml/2006/main" xmlns:r="http://schemas.openxmlformats.org/officeDocument/2006/relationships" xmlns:p="http://schemas.openxmlformats.org/presentationml/2006/main">
-  <p:cSld>
-    <p:spTree>
-      <p:nvGrpSpPr>
-        <p:cNvPr id="1" name=""/>
-        <p:cNvGrpSpPr/>
-        <p:nvPr/>
-      </p:nvGrpSpPr>
-      <p:grpSpPr>
-        <a:xfrm>
-          <a:off x="0" y="0"/>
-          <a:ext cx="0" cy="0"/>
-          <a:chOff x="0" y="0"/>
-          <a:chExt cx="0" cy="0"/>
-        </a:xfrm>
-      </p:grpSpPr>
-      <p:sp>
-        <p:nvSpPr>
-          <p:cNvPr id="2" name="Título 1">
-            <a:extLst>
-              <a:ext uri="{FF2B5EF4-FFF2-40B4-BE49-F238E27FC236}">
-                <a16:creationId xmlns:a16="http://schemas.microsoft.com/office/drawing/2014/main" id="{62EEC569-C55C-4D61-94DB-E067C0A75DF6}"/>
-              </a:ext>
-            </a:extLst>
-          </p:cNvPr>
-          <p:cNvSpPr>
-            <a:spLocks noGrp="1"/>
-          </p:cNvSpPr>
-          <p:nvPr>
-            <p:ph type="title"/>
-          </p:nvPr>
-        </p:nvSpPr>
-        <p:spPr/>
-        <p:txBody>
-          <a:bodyPr/>
-          <a:lstStyle/>
-          <a:p>
-            <a:endParaRPr lang="pt-BR"/>
-          </a:p>
-        </p:txBody>
-      </p:sp>
-      <p:sp>
-        <p:nvSpPr>
-          <p:cNvPr id="3" name="Espaço Reservado para Conteúdo 2">
-            <a:extLst>
-              <a:ext uri="{FF2B5EF4-FFF2-40B4-BE49-F238E27FC236}">
-                <a16:creationId xmlns:a16="http://schemas.microsoft.com/office/drawing/2014/main" id="{8D0121D8-3600-4201-8BB2-4CA92F643B1C}"/>
-              </a:ext>
-            </a:extLst>
-          </p:cNvPr>
-          <p:cNvSpPr>
-            <a:spLocks noGrp="1"/>
-          </p:cNvSpPr>
-          <p:nvPr>
-            <p:ph idx="1"/>
-          </p:nvPr>
-        </p:nvSpPr>
-        <p:spPr/>
-        <p:txBody>
-          <a:bodyPr/>
-          <a:lstStyle/>
-          <a:p>
-            <a:endParaRPr lang="pt-BR"/>
-          </a:p>
-        </p:txBody>
-      </p:sp>
-    </p:spTree>
-    <p:extLst>
-      <p:ext uri="{BB962C8B-B14F-4D97-AF65-F5344CB8AC3E}">
-        <p14:creationId xmlns:p14="http://schemas.microsoft.com/office/powerpoint/2010/main" val="3534603335"/>
+        <p14:creationId xmlns:p14="http://schemas.microsoft.com/office/powerpoint/2010/main" val="1086339274"/>
       </p:ext>
     </p:extLst>
   </p:cSld>
